--- a/CSCI218_DryBean_Presentation.pptx
+++ b/CSCI218_DryBean_Presentation.pptx
@@ -3742,7 +3742,7 @@
               </a:defRPr>
             </a:pPr>
             <a:r>
-              <a:t>  - Trained 6 classifiers: KNN, Decision Tree, Random Forest, SVM, Logistic Regression, Naive Bayes</a:t>
+              <a:t>  - Trained 3 classifiers: K-Nearest Neighbours (KNN), Random Forest, SVM (RBF kernel)</a:t>
             </a:r>
           </a:p>
           <a:p>
@@ -4131,23 +4131,7 @@
               </a:defRPr>
             </a:pPr>
             <a:r>
-              <a:t>  - Decision Tree: max_depth=15</a:t>
-            </a:r>
-          </a:p>
-          <a:p>
-            <a:pPr>
-              <a:spcAft>
-                <a:spcPts val="600"/>
-              </a:spcAft>
-              <a:defRPr sz="1400">
-                <a:solidFill>
-                  <a:srgbClr val="333333"/>
-                </a:solidFill>
-                <a:latin typeface="Calibri"/>
-              </a:defRPr>
-            </a:pPr>
-            <a:r>
-              <a:t>  - Random Forest: 100 trees</a:t>
+              <a:t>  - Random Forest: 100 trees, default max_depth</a:t>
             </a:r>
           </a:p>
           <a:p>
@@ -4164,38 +4148,6 @@
             </a:pPr>
             <a:r>
               <a:t>  - SVM: RBF kernel, C=10, gamma=scale</a:t>
-            </a:r>
-          </a:p>
-          <a:p>
-            <a:pPr>
-              <a:spcAft>
-                <a:spcPts val="600"/>
-              </a:spcAft>
-              <a:defRPr sz="1400">
-                <a:solidFill>
-                  <a:srgbClr val="333333"/>
-                </a:solidFill>
-                <a:latin typeface="Calibri"/>
-              </a:defRPr>
-            </a:pPr>
-            <a:r>
-              <a:t>  - Logistic Regression: max_iter=1000, multinomial</a:t>
-            </a:r>
-          </a:p>
-          <a:p>
-            <a:pPr>
-              <a:spcAft>
-                <a:spcPts val="600"/>
-              </a:spcAft>
-              <a:defRPr sz="1400">
-                <a:solidFill>
-                  <a:srgbClr val="333333"/>
-                </a:solidFill>
-                <a:latin typeface="Calibri"/>
-              </a:defRPr>
-            </a:pPr>
-            <a:r>
-              <a:t>  - Naive Bayes: Gaussian (default priors)</a:t>
             </a:r>
           </a:p>
           <a:p>
@@ -6090,7 +6042,7 @@
                 <a:gridCol w="1371600"/>
                 <a:gridCol w="1371600"/>
               </a:tblGrid>
-              <a:tr h="587828">
+              <a:tr h="1028700">
                 <a:tc>
                   <a:txBody>
                     <a:bodyPr/>
@@ -6236,7 +6188,7 @@
                   </a:tcPr>
                 </a:tc>
               </a:tr>
-              <a:tr h="587828">
+              <a:tr h="1028700">
                 <a:tc>
                   <a:txBody>
                     <a:bodyPr/>
@@ -6382,7 +6334,7 @@
                   </a:tcPr>
                 </a:tc>
               </a:tr>
-              <a:tr h="587828">
+              <a:tr h="1028700">
                 <a:tc>
                   <a:txBody>
                     <a:bodyPr/>
@@ -6397,7 +6349,7 @@
                         </a:defRPr>
                       </a:pPr>
                       <a:r>
-                        <a:t>Decision Tree</a:t>
+                        <a:t>Random Forest</a:t>
                       </a:r>
                     </a:p>
                   </a:txBody>
@@ -6421,7 +6373,7 @@
                         </a:defRPr>
                       </a:pPr>
                       <a:r>
-                        <a:t>0.9008 +/- 0.0035</a:t>
+                        <a:t>0.9240 +/- 0.0053</a:t>
                       </a:r>
                     </a:p>
                   </a:txBody>
@@ -6445,7 +6397,7 @@
                         </a:defRPr>
                       </a:pPr>
                       <a:r>
-                        <a:t>0.8942</a:t>
+                        <a:t>0.9207</a:t>
                       </a:r>
                     </a:p>
                   </a:txBody>
@@ -6469,7 +6421,7 @@
                         </a:defRPr>
                       </a:pPr>
                       <a:r>
-                        <a:t>0.8942</a:t>
+                        <a:t>0.9209</a:t>
                       </a:r>
                     </a:p>
                   </a:txBody>
@@ -6493,7 +6445,7 @@
                         </a:defRPr>
                       </a:pPr>
                       <a:r>
-                        <a:t>0.8942</a:t>
+                        <a:t>0.9207</a:t>
                       </a:r>
                     </a:p>
                   </a:txBody>
@@ -6517,7 +6469,7 @@
                         </a:defRPr>
                       </a:pPr>
                       <a:r>
-                        <a:t>0.8941</a:t>
+                        <a:t>0.9207</a:t>
                       </a:r>
                     </a:p>
                   </a:txBody>
@@ -6528,7 +6480,7 @@
                   </a:tcPr>
                 </a:tc>
               </a:tr>
-              <a:tr h="587828">
+              <a:tr h="1028700">
                 <a:tc>
                   <a:txBody>
                     <a:bodyPr/>
@@ -6543,7 +6495,7 @@
                         </a:defRPr>
                       </a:pPr>
                       <a:r>
-                        <a:t>Random Forest</a:t>
+                        <a:t>SVM (RBF)</a:t>
                       </a:r>
                     </a:p>
                   </a:txBody>
@@ -6567,7 +6519,7 @@
                         </a:defRPr>
                       </a:pPr>
                       <a:r>
-                        <a:t>0.9240 +/- 0.0053</a:t>
+                        <a:t>0.9336 +/- 0.0053</a:t>
                       </a:r>
                     </a:p>
                   </a:txBody>
@@ -6591,7 +6543,7 @@
                         </a:defRPr>
                       </a:pPr>
                       <a:r>
-                        <a:t>0.9207</a:t>
+                        <a:t>0.9243</a:t>
                       </a:r>
                     </a:p>
                   </a:txBody>
@@ -6615,7 +6567,7 @@
                         </a:defRPr>
                       </a:pPr>
                       <a:r>
-                        <a:t>0.9209</a:t>
+                        <a:t>0.9243</a:t>
                       </a:r>
                     </a:p>
                   </a:txBody>
@@ -6639,7 +6591,7 @@
                         </a:defRPr>
                       </a:pPr>
                       <a:r>
-                        <a:t>0.9207</a:t>
+                        <a:t>0.9243</a:t>
                       </a:r>
                     </a:p>
                   </a:txBody>
@@ -6663,451 +6615,13 @@
                         </a:defRPr>
                       </a:pPr>
                       <a:r>
-                        <a:t>0.9207</a:t>
+                        <a:t>0.9243</a:t>
                       </a:r>
                     </a:p>
                   </a:txBody>
                   <a:tcPr>
                     <a:solidFill>
                       <a:srgbClr val="E8EAF6"/>
-                    </a:solidFill>
-                  </a:tcPr>
-                </a:tc>
-              </a:tr>
-              <a:tr h="587828">
-                <a:tc>
-                  <a:txBody>
-                    <a:bodyPr/>
-                    <a:lstStyle/>
-                    <a:p>
-                      <a:pPr algn="l">
-                        <a:defRPr sz="1200">
-                          <a:solidFill>
-                            <a:srgbClr val="333333"/>
-                          </a:solidFill>
-                          <a:latin typeface="Calibri"/>
-                        </a:defRPr>
-                      </a:pPr>
-                      <a:r>
-                        <a:t>SVM (RBF)</a:t>
-                      </a:r>
-                    </a:p>
-                  </a:txBody>
-                  <a:tcPr>
-                    <a:solidFill>
-                      <a:srgbClr val="FFFFFF"/>
-                    </a:solidFill>
-                  </a:tcPr>
-                </a:tc>
-                <a:tc>
-                  <a:txBody>
-                    <a:bodyPr/>
-                    <a:lstStyle/>
-                    <a:p>
-                      <a:pPr algn="ctr">
-                        <a:defRPr sz="1200">
-                          <a:solidFill>
-                            <a:srgbClr val="333333"/>
-                          </a:solidFill>
-                          <a:latin typeface="Calibri"/>
-                        </a:defRPr>
-                      </a:pPr>
-                      <a:r>
-                        <a:t>0.9336 +/- 0.0053</a:t>
-                      </a:r>
-                    </a:p>
-                  </a:txBody>
-                  <a:tcPr>
-                    <a:solidFill>
-                      <a:srgbClr val="FFFFFF"/>
-                    </a:solidFill>
-                  </a:tcPr>
-                </a:tc>
-                <a:tc>
-                  <a:txBody>
-                    <a:bodyPr/>
-                    <a:lstStyle/>
-                    <a:p>
-                      <a:pPr algn="ctr">
-                        <a:defRPr sz="1200">
-                          <a:solidFill>
-                            <a:srgbClr val="333333"/>
-                          </a:solidFill>
-                          <a:latin typeface="Calibri"/>
-                        </a:defRPr>
-                      </a:pPr>
-                      <a:r>
-                        <a:t>0.9243</a:t>
-                      </a:r>
-                    </a:p>
-                  </a:txBody>
-                  <a:tcPr>
-                    <a:solidFill>
-                      <a:srgbClr val="FFFFFF"/>
-                    </a:solidFill>
-                  </a:tcPr>
-                </a:tc>
-                <a:tc>
-                  <a:txBody>
-                    <a:bodyPr/>
-                    <a:lstStyle/>
-                    <a:p>
-                      <a:pPr algn="ctr">
-                        <a:defRPr sz="1200">
-                          <a:solidFill>
-                            <a:srgbClr val="333333"/>
-                          </a:solidFill>
-                          <a:latin typeface="Calibri"/>
-                        </a:defRPr>
-                      </a:pPr>
-                      <a:r>
-                        <a:t>0.9243</a:t>
-                      </a:r>
-                    </a:p>
-                  </a:txBody>
-                  <a:tcPr>
-                    <a:solidFill>
-                      <a:srgbClr val="FFFFFF"/>
-                    </a:solidFill>
-                  </a:tcPr>
-                </a:tc>
-                <a:tc>
-                  <a:txBody>
-                    <a:bodyPr/>
-                    <a:lstStyle/>
-                    <a:p>
-                      <a:pPr algn="ctr">
-                        <a:defRPr sz="1200">
-                          <a:solidFill>
-                            <a:srgbClr val="333333"/>
-                          </a:solidFill>
-                          <a:latin typeface="Calibri"/>
-                        </a:defRPr>
-                      </a:pPr>
-                      <a:r>
-                        <a:t>0.9243</a:t>
-                      </a:r>
-                    </a:p>
-                  </a:txBody>
-                  <a:tcPr>
-                    <a:solidFill>
-                      <a:srgbClr val="FFFFFF"/>
-                    </a:solidFill>
-                  </a:tcPr>
-                </a:tc>
-                <a:tc>
-                  <a:txBody>
-                    <a:bodyPr/>
-                    <a:lstStyle/>
-                    <a:p>
-                      <a:pPr algn="ctr">
-                        <a:defRPr sz="1200">
-                          <a:solidFill>
-                            <a:srgbClr val="333333"/>
-                          </a:solidFill>
-                          <a:latin typeface="Calibri"/>
-                        </a:defRPr>
-                      </a:pPr>
-                      <a:r>
-                        <a:t>0.9243</a:t>
-                      </a:r>
-                    </a:p>
-                  </a:txBody>
-                  <a:tcPr>
-                    <a:solidFill>
-                      <a:srgbClr val="FFFFFF"/>
-                    </a:solidFill>
-                  </a:tcPr>
-                </a:tc>
-              </a:tr>
-              <a:tr h="587828">
-                <a:tc>
-                  <a:txBody>
-                    <a:bodyPr/>
-                    <a:lstStyle/>
-                    <a:p>
-                      <a:pPr algn="l">
-                        <a:defRPr sz="1200">
-                          <a:solidFill>
-                            <a:srgbClr val="333333"/>
-                          </a:solidFill>
-                          <a:latin typeface="Calibri"/>
-                        </a:defRPr>
-                      </a:pPr>
-                      <a:r>
-                        <a:t>Logistic Regression</a:t>
-                      </a:r>
-                    </a:p>
-                  </a:txBody>
-                  <a:tcPr>
-                    <a:solidFill>
-                      <a:srgbClr val="E8EAF6"/>
-                    </a:solidFill>
-                  </a:tcPr>
-                </a:tc>
-                <a:tc>
-                  <a:txBody>
-                    <a:bodyPr/>
-                    <a:lstStyle/>
-                    <a:p>
-                      <a:pPr algn="ctr">
-                        <a:defRPr sz="1200">
-                          <a:solidFill>
-                            <a:srgbClr val="333333"/>
-                          </a:solidFill>
-                          <a:latin typeface="Calibri"/>
-                        </a:defRPr>
-                      </a:pPr>
-                      <a:r>
-                        <a:t>0.9244 +/- 0.0036</a:t>
-                      </a:r>
-                    </a:p>
-                  </a:txBody>
-                  <a:tcPr>
-                    <a:solidFill>
-                      <a:srgbClr val="E8EAF6"/>
-                    </a:solidFill>
-                  </a:tcPr>
-                </a:tc>
-                <a:tc>
-                  <a:txBody>
-                    <a:bodyPr/>
-                    <a:lstStyle/>
-                    <a:p>
-                      <a:pPr algn="ctr">
-                        <a:defRPr sz="1200">
-                          <a:solidFill>
-                            <a:srgbClr val="333333"/>
-                          </a:solidFill>
-                          <a:latin typeface="Calibri"/>
-                        </a:defRPr>
-                      </a:pPr>
-                      <a:r>
-                        <a:t>0.9207</a:t>
-                      </a:r>
-                    </a:p>
-                  </a:txBody>
-                  <a:tcPr>
-                    <a:solidFill>
-                      <a:srgbClr val="E8EAF6"/>
-                    </a:solidFill>
-                  </a:tcPr>
-                </a:tc>
-                <a:tc>
-                  <a:txBody>
-                    <a:bodyPr/>
-                    <a:lstStyle/>
-                    <a:p>
-                      <a:pPr algn="ctr">
-                        <a:defRPr sz="1200">
-                          <a:solidFill>
-                            <a:srgbClr val="333333"/>
-                          </a:solidFill>
-                          <a:latin typeface="Calibri"/>
-                        </a:defRPr>
-                      </a:pPr>
-                      <a:r>
-                        <a:t>0.9215</a:t>
-                      </a:r>
-                    </a:p>
-                  </a:txBody>
-                  <a:tcPr>
-                    <a:solidFill>
-                      <a:srgbClr val="E8EAF6"/>
-                    </a:solidFill>
-                  </a:tcPr>
-                </a:tc>
-                <a:tc>
-                  <a:txBody>
-                    <a:bodyPr/>
-                    <a:lstStyle/>
-                    <a:p>
-                      <a:pPr algn="ctr">
-                        <a:defRPr sz="1200">
-                          <a:solidFill>
-                            <a:srgbClr val="333333"/>
-                          </a:solidFill>
-                          <a:latin typeface="Calibri"/>
-                        </a:defRPr>
-                      </a:pPr>
-                      <a:r>
-                        <a:t>0.9207</a:t>
-                      </a:r>
-                    </a:p>
-                  </a:txBody>
-                  <a:tcPr>
-                    <a:solidFill>
-                      <a:srgbClr val="E8EAF6"/>
-                    </a:solidFill>
-                  </a:tcPr>
-                </a:tc>
-                <a:tc>
-                  <a:txBody>
-                    <a:bodyPr/>
-                    <a:lstStyle/>
-                    <a:p>
-                      <a:pPr algn="ctr">
-                        <a:defRPr sz="1200">
-                          <a:solidFill>
-                            <a:srgbClr val="333333"/>
-                          </a:solidFill>
-                          <a:latin typeface="Calibri"/>
-                        </a:defRPr>
-                      </a:pPr>
-                      <a:r>
-                        <a:t>0.9209</a:t>
-                      </a:r>
-                    </a:p>
-                  </a:txBody>
-                  <a:tcPr>
-                    <a:solidFill>
-                      <a:srgbClr val="E8EAF6"/>
-                    </a:solidFill>
-                  </a:tcPr>
-                </a:tc>
-              </a:tr>
-              <a:tr h="587832">
-                <a:tc>
-                  <a:txBody>
-                    <a:bodyPr/>
-                    <a:lstStyle/>
-                    <a:p>
-                      <a:pPr algn="l">
-                        <a:defRPr sz="1200">
-                          <a:solidFill>
-                            <a:srgbClr val="333333"/>
-                          </a:solidFill>
-                          <a:latin typeface="Calibri"/>
-                        </a:defRPr>
-                      </a:pPr>
-                      <a:r>
-                        <a:t>Naive Bayes</a:t>
-                      </a:r>
-                    </a:p>
-                  </a:txBody>
-                  <a:tcPr>
-                    <a:solidFill>
-                      <a:srgbClr val="FFFFFF"/>
-                    </a:solidFill>
-                  </a:tcPr>
-                </a:tc>
-                <a:tc>
-                  <a:txBody>
-                    <a:bodyPr/>
-                    <a:lstStyle/>
-                    <a:p>
-                      <a:pPr algn="ctr">
-                        <a:defRPr sz="1200">
-                          <a:solidFill>
-                            <a:srgbClr val="333333"/>
-                          </a:solidFill>
-                          <a:latin typeface="Calibri"/>
-                        </a:defRPr>
-                      </a:pPr>
-                      <a:r>
-                        <a:t>0.8970 +/- 0.0027</a:t>
-                      </a:r>
-                    </a:p>
-                  </a:txBody>
-                  <a:tcPr>
-                    <a:solidFill>
-                      <a:srgbClr val="FFFFFF"/>
-                    </a:solidFill>
-                  </a:tcPr>
-                </a:tc>
-                <a:tc>
-                  <a:txBody>
-                    <a:bodyPr/>
-                    <a:lstStyle/>
-                    <a:p>
-                      <a:pPr algn="ctr">
-                        <a:defRPr sz="1200">
-                          <a:solidFill>
-                            <a:srgbClr val="333333"/>
-                          </a:solidFill>
-                          <a:latin typeface="Calibri"/>
-                        </a:defRPr>
-                      </a:pPr>
-                      <a:r>
-                        <a:t>0.8979</a:t>
-                      </a:r>
-                    </a:p>
-                  </a:txBody>
-                  <a:tcPr>
-                    <a:solidFill>
-                      <a:srgbClr val="FFFFFF"/>
-                    </a:solidFill>
-                  </a:tcPr>
-                </a:tc>
-                <a:tc>
-                  <a:txBody>
-                    <a:bodyPr/>
-                    <a:lstStyle/>
-                    <a:p>
-                      <a:pPr algn="ctr">
-                        <a:defRPr sz="1200">
-                          <a:solidFill>
-                            <a:srgbClr val="333333"/>
-                          </a:solidFill>
-                          <a:latin typeface="Calibri"/>
-                        </a:defRPr>
-                      </a:pPr>
-                      <a:r>
-                        <a:t>0.9007</a:t>
-                      </a:r>
-                    </a:p>
-                  </a:txBody>
-                  <a:tcPr>
-                    <a:solidFill>
-                      <a:srgbClr val="FFFFFF"/>
-                    </a:solidFill>
-                  </a:tcPr>
-                </a:tc>
-                <a:tc>
-                  <a:txBody>
-                    <a:bodyPr/>
-                    <a:lstStyle/>
-                    <a:p>
-                      <a:pPr algn="ctr">
-                        <a:defRPr sz="1200">
-                          <a:solidFill>
-                            <a:srgbClr val="333333"/>
-                          </a:solidFill>
-                          <a:latin typeface="Calibri"/>
-                        </a:defRPr>
-                      </a:pPr>
-                      <a:r>
-                        <a:t>0.8979</a:t>
-                      </a:r>
-                    </a:p>
-                  </a:txBody>
-                  <a:tcPr>
-                    <a:solidFill>
-                      <a:srgbClr val="FFFFFF"/>
-                    </a:solidFill>
-                  </a:tcPr>
-                </a:tc>
-                <a:tc>
-                  <a:txBody>
-                    <a:bodyPr/>
-                    <a:lstStyle/>
-                    <a:p>
-                      <a:pPr algn="ctr">
-                        <a:defRPr sz="1200">
-                          <a:solidFill>
-                            <a:srgbClr val="333333"/>
-                          </a:solidFill>
-                          <a:latin typeface="Calibri"/>
-                        </a:defRPr>
-                      </a:pPr>
-                      <a:r>
-                        <a:t>0.8981</a:t>
-                      </a:r>
-                    </a:p>
-                  </a:txBody>
-                  <a:tcPr>
-                    <a:solidFill>
-                      <a:srgbClr val="FFFFFF"/>
                     </a:solidFill>
                   </a:tcPr>
                 </a:tc>
@@ -7327,203 +6841,203 @@
               </a:defRPr>
             </a:pPr>
             <a:r>
-              <a:t>  - SVM (RBF) achieved the highest test accuracy (92.43%),</a:t>
-            </a:r>
-          </a:p>
-          <a:p>
-            <a:pPr>
-              <a:spcAft>
-                <a:spcPts val="600"/>
-              </a:spcAft>
-              <a:defRPr sz="1400">
-                <a:solidFill>
-                  <a:srgbClr val="333333"/>
-                </a:solidFill>
-                <a:latin typeface="Calibri"/>
-              </a:defRPr>
-            </a:pPr>
-            <a:r>
-              <a:t>    followed by Random Forest and Logistic Regression (92.07%)</a:t>
-            </a:r>
-          </a:p>
-          <a:p>
-            <a:pPr>
-              <a:spcAft>
-                <a:spcPts val="600"/>
-              </a:spcAft>
-              <a:defRPr sz="1400">
-                <a:solidFill>
-                  <a:srgbClr val="333333"/>
-                </a:solidFill>
-                <a:latin typeface="Calibri"/>
-              </a:defRPr>
-            </a:pPr>
-          </a:p>
-          <a:p>
-            <a:pPr>
-              <a:spcAft>
-                <a:spcPts val="600"/>
-              </a:spcAft>
-              <a:defRPr sz="1400">
-                <a:solidFill>
-                  <a:srgbClr val="333333"/>
-                </a:solidFill>
-                <a:latin typeface="Calibri"/>
-              </a:defRPr>
-            </a:pPr>
-            <a:r>
-              <a:t>  - Naive Bayes performed the worst due to the assumption</a:t>
-            </a:r>
-          </a:p>
-          <a:p>
-            <a:pPr>
-              <a:spcAft>
-                <a:spcPts val="600"/>
-              </a:spcAft>
-              <a:defRPr sz="1400">
-                <a:solidFill>
-                  <a:srgbClr val="333333"/>
-                </a:solidFill>
-                <a:latin typeface="Calibri"/>
-              </a:defRPr>
-            </a:pPr>
-            <a:r>
-              <a:t>    of feature independence (violated by correlated features)</a:t>
-            </a:r>
-          </a:p>
-          <a:p>
-            <a:pPr>
-              <a:spcAft>
-                <a:spcPts val="600"/>
-              </a:spcAft>
-              <a:defRPr sz="1400">
-                <a:solidFill>
-                  <a:srgbClr val="333333"/>
-                </a:solidFill>
-                <a:latin typeface="Calibri"/>
-              </a:defRPr>
-            </a:pPr>
-          </a:p>
-          <a:p>
-            <a:pPr>
-              <a:spcAft>
-                <a:spcPts val="600"/>
-              </a:spcAft>
-              <a:defRPr sz="1400">
-                <a:solidFill>
-                  <a:srgbClr val="333333"/>
-                </a:solidFill>
-                <a:latin typeface="Calibri"/>
-              </a:defRPr>
-            </a:pPr>
-            <a:r>
-              <a:t>  - Decision Tree showed signs of overfitting (high train</a:t>
-            </a:r>
-          </a:p>
-          <a:p>
-            <a:pPr>
-              <a:spcAft>
-                <a:spcPts val="600"/>
-              </a:spcAft>
-              <a:defRPr sz="1400">
-                <a:solidFill>
-                  <a:srgbClr val="333333"/>
-                </a:solidFill>
-                <a:latin typeface="Calibri"/>
-              </a:defRPr>
-            </a:pPr>
-            <a:r>
-              <a:t>    accuracy but lower test accuracy compared to RF)</a:t>
-            </a:r>
-          </a:p>
-          <a:p>
-            <a:pPr>
-              <a:spcAft>
-                <a:spcPts val="600"/>
-              </a:spcAft>
-              <a:defRPr sz="1400">
-                <a:solidFill>
-                  <a:srgbClr val="333333"/>
-                </a:solidFill>
-                <a:latin typeface="Calibri"/>
-              </a:defRPr>
-            </a:pPr>
-          </a:p>
-          <a:p>
-            <a:pPr>
-              <a:spcAft>
-                <a:spcPts val="600"/>
-              </a:spcAft>
-              <a:defRPr sz="1400">
-                <a:solidFill>
-                  <a:srgbClr val="333333"/>
-                </a:solidFill>
-                <a:latin typeface="Calibri"/>
-              </a:defRPr>
-            </a:pPr>
-            <a:r>
-              <a:t>  - KNN performed well but is computationally expensive</a:t>
-            </a:r>
-          </a:p>
-          <a:p>
-            <a:pPr>
-              <a:spcAft>
-                <a:spcPts val="600"/>
-              </a:spcAft>
-              <a:defRPr sz="1400">
-                <a:solidFill>
-                  <a:srgbClr val="333333"/>
-                </a:solidFill>
-                <a:latin typeface="Calibri"/>
-              </a:defRPr>
-            </a:pPr>
-            <a:r>
-              <a:t>    at prediction time for large datasets</a:t>
-            </a:r>
-          </a:p>
-          <a:p>
-            <a:pPr>
-              <a:spcAft>
-                <a:spcPts val="600"/>
-              </a:spcAft>
-              <a:defRPr sz="1400">
-                <a:solidFill>
-                  <a:srgbClr val="333333"/>
-                </a:solidFill>
-                <a:latin typeface="Calibri"/>
-              </a:defRPr>
-            </a:pPr>
-          </a:p>
-          <a:p>
-            <a:pPr>
-              <a:spcAft>
-                <a:spcPts val="600"/>
-              </a:spcAft>
-              <a:defRPr sz="1400">
-                <a:solidFill>
-                  <a:srgbClr val="333333"/>
-                </a:solidFill>
-                <a:latin typeface="Calibri"/>
-              </a:defRPr>
-            </a:pPr>
-            <a:r>
-              <a:t>  - Feature scaling was crucial for KNN, SVM, and</a:t>
-            </a:r>
-          </a:p>
-          <a:p>
-            <a:pPr>
-              <a:spcAft>
-                <a:spcPts val="600"/>
-              </a:spcAft>
-              <a:defRPr sz="1400">
-                <a:solidFill>
-                  <a:srgbClr val="333333"/>
-                </a:solidFill>
-                <a:latin typeface="Calibri"/>
-              </a:defRPr>
-            </a:pPr>
-            <a:r>
-              <a:t>    Logistic Regression (distance/gradient-based methods)</a:t>
+              <a:t>  - SVM (RBF) achieved the highest test accuracy among</a:t>
+            </a:r>
+          </a:p>
+          <a:p>
+            <a:pPr>
+              <a:spcAft>
+                <a:spcPts val="600"/>
+              </a:spcAft>
+              <a:defRPr sz="1400">
+                <a:solidFill>
+                  <a:srgbClr val="333333"/>
+                </a:solidFill>
+                <a:latin typeface="Calibri"/>
+              </a:defRPr>
+            </a:pPr>
+            <a:r>
+              <a:t>    all three models tested</a:t>
+            </a:r>
+          </a:p>
+          <a:p>
+            <a:pPr>
+              <a:spcAft>
+                <a:spcPts val="600"/>
+              </a:spcAft>
+              <a:defRPr sz="1400">
+                <a:solidFill>
+                  <a:srgbClr val="333333"/>
+                </a:solidFill>
+                <a:latin typeface="Calibri"/>
+              </a:defRPr>
+            </a:pPr>
+          </a:p>
+          <a:p>
+            <a:pPr>
+              <a:spcAft>
+                <a:spcPts val="600"/>
+              </a:spcAft>
+              <a:defRPr sz="1400">
+                <a:solidFill>
+                  <a:srgbClr val="333333"/>
+                </a:solidFill>
+                <a:latin typeface="Calibri"/>
+              </a:defRPr>
+            </a:pPr>
+            <a:r>
+              <a:t>  - Random Forest performed similarly to SVM with</a:t>
+            </a:r>
+          </a:p>
+          <a:p>
+            <a:pPr>
+              <a:spcAft>
+                <a:spcPts val="600"/>
+              </a:spcAft>
+              <a:defRPr sz="1400">
+                <a:solidFill>
+                  <a:srgbClr val="333333"/>
+                </a:solidFill>
+                <a:latin typeface="Calibri"/>
+              </a:defRPr>
+            </a:pPr>
+            <a:r>
+              <a:t>    slightly lower accuracy but faster training</a:t>
+            </a:r>
+          </a:p>
+          <a:p>
+            <a:pPr>
+              <a:spcAft>
+                <a:spcPts val="600"/>
+              </a:spcAft>
+              <a:defRPr sz="1400">
+                <a:solidFill>
+                  <a:srgbClr val="333333"/>
+                </a:solidFill>
+                <a:latin typeface="Calibri"/>
+              </a:defRPr>
+            </a:pPr>
+          </a:p>
+          <a:p>
+            <a:pPr>
+              <a:spcAft>
+                <a:spcPts val="600"/>
+              </a:spcAft>
+              <a:defRPr sz="1400">
+                <a:solidFill>
+                  <a:srgbClr val="333333"/>
+                </a:solidFill>
+                <a:latin typeface="Calibri"/>
+              </a:defRPr>
+            </a:pPr>
+            <a:r>
+              <a:t>  - KNN showed competitive performance but is</a:t>
+            </a:r>
+          </a:p>
+          <a:p>
+            <a:pPr>
+              <a:spcAft>
+                <a:spcPts val="600"/>
+              </a:spcAft>
+              <a:defRPr sz="1400">
+                <a:solidFill>
+                  <a:srgbClr val="333333"/>
+                </a:solidFill>
+                <a:latin typeface="Calibri"/>
+              </a:defRPr>
+            </a:pPr>
+            <a:r>
+              <a:t>    computationally expensive at prediction time</a:t>
+            </a:r>
+          </a:p>
+          <a:p>
+            <a:pPr>
+              <a:spcAft>
+                <a:spcPts val="600"/>
+              </a:spcAft>
+              <a:defRPr sz="1400">
+                <a:solidFill>
+                  <a:srgbClr val="333333"/>
+                </a:solidFill>
+                <a:latin typeface="Calibri"/>
+              </a:defRPr>
+            </a:pPr>
+          </a:p>
+          <a:p>
+            <a:pPr>
+              <a:spcAft>
+                <a:spcPts val="600"/>
+              </a:spcAft>
+              <a:defRPr sz="1400">
+                <a:solidFill>
+                  <a:srgbClr val="333333"/>
+                </a:solidFill>
+                <a:latin typeface="Calibri"/>
+              </a:defRPr>
+            </a:pPr>
+            <a:r>
+              <a:t>  - All three models achieved &gt;91% test accuracy,</a:t>
+            </a:r>
+          </a:p>
+          <a:p>
+            <a:pPr>
+              <a:spcAft>
+                <a:spcPts val="600"/>
+              </a:spcAft>
+              <a:defRPr sz="1400">
+                <a:solidFill>
+                  <a:srgbClr val="333333"/>
+                </a:solidFill>
+                <a:latin typeface="Calibri"/>
+              </a:defRPr>
+            </a:pPr>
+            <a:r>
+              <a:t>    demonstrating the dataset is well-suited for ML</a:t>
+            </a:r>
+          </a:p>
+          <a:p>
+            <a:pPr>
+              <a:spcAft>
+                <a:spcPts val="600"/>
+              </a:spcAft>
+              <a:defRPr sz="1400">
+                <a:solidFill>
+                  <a:srgbClr val="333333"/>
+                </a:solidFill>
+                <a:latin typeface="Calibri"/>
+              </a:defRPr>
+            </a:pPr>
+          </a:p>
+          <a:p>
+            <a:pPr>
+              <a:spcAft>
+                <a:spcPts val="600"/>
+              </a:spcAft>
+              <a:defRPr sz="1400">
+                <a:solidFill>
+                  <a:srgbClr val="333333"/>
+                </a:solidFill>
+                <a:latin typeface="Calibri"/>
+              </a:defRPr>
+            </a:pPr>
+            <a:r>
+              <a:t>  - Feature scaling was crucial for KNN and SVM</a:t>
+            </a:r>
+          </a:p>
+          <a:p>
+            <a:pPr>
+              <a:spcAft>
+                <a:spcPts val="600"/>
+              </a:spcAft>
+              <a:defRPr sz="1400">
+                <a:solidFill>
+                  <a:srgbClr val="333333"/>
+                </a:solidFill>
+                <a:latin typeface="Calibri"/>
+              </a:defRPr>
+            </a:pPr>
+            <a:r>
+              <a:t>    (distance/kernel-based methods)</a:t>
             </a:r>
           </a:p>
         </p:txBody>
@@ -8014,7 +7528,7 @@
                         </a:defRPr>
                       </a:pPr>
                       <a:r>
-                        <a:t>Full Name</a:t>
+                        <a:t>Student Name</a:t>
                       </a:r>
                     </a:p>
                   </a:txBody>
@@ -8038,7 +7552,7 @@
                         </a:defRPr>
                       </a:pPr>
                       <a:r>
-                        <a:t>Student Number</a:t>
+                        <a:t>Student ID</a:t>
                       </a:r>
                     </a:p>
                   </a:txBody>
@@ -8062,7 +7576,7 @@
                         </a:defRPr>
                       </a:pPr>
                       <a:r>
-                        <a:t>Contribution %</a:t>
+                        <a:t>Roles</a:t>
                       </a:r>
                     </a:p>
                   </a:txBody>
@@ -8086,7 +7600,7 @@
                         </a:defRPr>
                       </a:pPr>
                       <a:r>
-                        <a:t>Key Tasks</a:t>
+                        <a:t>Section</a:t>
                       </a:r>
                     </a:p>
                   </a:txBody>
@@ -8112,7 +7626,7 @@
                         </a:defRPr>
                       </a:pPr>
                       <a:r>
-                        <a:t>Member 1 Name</a:t>
+                        <a:t>Jasmine April Aulia Ng</a:t>
                       </a:r>
                     </a:p>
                   </a:txBody>
@@ -8136,7 +7650,7 @@
                         </a:defRPr>
                       </a:pPr>
                       <a:r>
-                        <a:t>Student ID 1</a:t>
+                        <a:t>[Student ID]</a:t>
                       </a:r>
                     </a:p>
                   </a:txBody>
@@ -8160,7 +7674,7 @@
                         </a:defRPr>
                       </a:pPr>
                       <a:r>
-                        <a:t>~17%</a:t>
+                        <a:t>A, D</a:t>
                       </a:r>
                     </a:p>
                   </a:txBody>
@@ -8184,7 +7698,7 @@
                         </a:defRPr>
                       </a:pPr>
                       <a:r>
-                        <a:t>Literature Review, Data Preprocessing</a:t>
+                        <a:t>1. Problem Definition &amp; Dataset Description</a:t>
                       </a:r>
                     </a:p>
                   </a:txBody>
@@ -8210,7 +7724,7 @@
                         </a:defRPr>
                       </a:pPr>
                       <a:r>
-                        <a:t>Member 2 Name</a:t>
+                        <a:t>Felix</a:t>
                       </a:r>
                     </a:p>
                   </a:txBody>
@@ -8234,7 +7748,7 @@
                         </a:defRPr>
                       </a:pPr>
                       <a:r>
-                        <a:t>Student ID 2</a:t>
+                        <a:t>[Student ID]</a:t>
                       </a:r>
                     </a:p>
                   </a:txBody>
@@ -8258,7 +7772,7 @@
                         </a:defRPr>
                       </a:pPr>
                       <a:r>
-                        <a:t>~17%</a:t>
+                        <a:t>A, R</a:t>
                       </a:r>
                     </a:p>
                   </a:txBody>
@@ -8282,7 +7796,7 @@
                         </a:defRPr>
                       </a:pPr>
                       <a:r>
-                        <a:t>KNN &amp; Decision Tree Implementation</a:t>
+                        <a:t>2. Methodology &amp; Design Rationale</a:t>
                       </a:r>
                     </a:p>
                   </a:txBody>
@@ -8308,7 +7822,7 @@
                         </a:defRPr>
                       </a:pPr>
                       <a:r>
-                        <a:t>Member 3 Name</a:t>
+                        <a:t>Aryan</a:t>
                       </a:r>
                     </a:p>
                   </a:txBody>
@@ -8332,7 +7846,7 @@
                         </a:defRPr>
                       </a:pPr>
                       <a:r>
-                        <a:t>Student ID 3</a:t>
+                        <a:t>[Student ID]</a:t>
                       </a:r>
                     </a:p>
                   </a:txBody>
@@ -8356,7 +7870,7 @@
                         </a:defRPr>
                       </a:pPr>
                       <a:r>
-                        <a:t>~17%</a:t>
+                        <a:t>E, D</a:t>
                       </a:r>
                     </a:p>
                   </a:txBody>
@@ -8380,7 +7894,7 @@
                         </a:defRPr>
                       </a:pPr>
                       <a:r>
-                        <a:t>Random Forest &amp; SVM Implementation</a:t>
+                        <a:t>3. Experimental Setup &amp; Training Config</a:t>
                       </a:r>
                     </a:p>
                   </a:txBody>
@@ -8406,7 +7920,7 @@
                         </a:defRPr>
                       </a:pPr>
                       <a:r>
-                        <a:t>Member 4 Name</a:t>
+                        <a:t>Shawn</a:t>
                       </a:r>
                     </a:p>
                   </a:txBody>
@@ -8430,7 +7944,7 @@
                         </a:defRPr>
                       </a:pPr>
                       <a:r>
-                        <a:t>Student ID 4</a:t>
+                        <a:t>[Student ID]</a:t>
                       </a:r>
                     </a:p>
                   </a:txBody>
@@ -8454,7 +7968,7 @@
                         </a:defRPr>
                       </a:pPr>
                       <a:r>
-                        <a:t>~17%</a:t>
+                        <a:t>A, V</a:t>
                       </a:r>
                     </a:p>
                   </a:txBody>
@@ -8478,7 +7992,7 @@
                         </a:defRPr>
                       </a:pPr>
                       <a:r>
-                        <a:t>Logistic Regression &amp; Naive Bayes</a:t>
+                        <a:t>4. Evaluation Metrics &amp; Analysis Methods</a:t>
                       </a:r>
                     </a:p>
                   </a:txBody>
@@ -8504,7 +8018,7 @@
                         </a:defRPr>
                       </a:pPr>
                       <a:r>
-                        <a:t>Member 5 Name</a:t>
+                        <a:t>Toh Jun Peng Brandon</a:t>
                       </a:r>
                     </a:p>
                   </a:txBody>
@@ -8528,7 +8042,7 @@
                         </a:defRPr>
                       </a:pPr>
                       <a:r>
-                        <a:t>Student ID 5</a:t>
+                        <a:t>[Student ID]</a:t>
                       </a:r>
                     </a:p>
                   </a:txBody>
@@ -8552,7 +8066,7 @@
                         </a:defRPr>
                       </a:pPr>
                       <a:r>
-                        <a:t>~16%</a:t>
+                        <a:t>E, V, A</a:t>
                       </a:r>
                     </a:p>
                   </a:txBody>
@@ -8576,7 +8090,7 @@
                         </a:defRPr>
                       </a:pPr>
                       <a:r>
-                        <a:t>Results Analysis &amp; Visualization</a:t>
+                        <a:t>5. Results &amp; Error Analysis</a:t>
                       </a:r>
                     </a:p>
                   </a:txBody>
@@ -8602,7 +8116,7 @@
                         </a:defRPr>
                       </a:pPr>
                       <a:r>
-                        <a:t>Member 6 Name</a:t>
+                        <a:t>Lian Ziang</a:t>
                       </a:r>
                     </a:p>
                   </a:txBody>
@@ -8626,7 +8140,7 @@
                         </a:defRPr>
                       </a:pPr>
                       <a:r>
-                        <a:t>Student ID 6</a:t>
+                        <a:t>[Student ID]</a:t>
                       </a:r>
                     </a:p>
                   </a:txBody>
@@ -8650,7 +8164,7 @@
                         </a:defRPr>
                       </a:pPr>
                       <a:r>
-                        <a:t>~16%</a:t>
+                        <a:t>A, R</a:t>
                       </a:r>
                     </a:p>
                   </a:txBody>
@@ -8674,7 +8188,7 @@
                         </a:defRPr>
                       </a:pPr>
                       <a:r>
-                        <a:t>Slide Design &amp; Presentation Prep</a:t>
+                        <a:t>6. Limitations &amp; Proposed Improvements</a:t>
                       </a:r>
                     </a:p>
                   </a:txBody>
@@ -9077,7 +8591,7 @@
               </a:defRPr>
             </a:pPr>
             <a:r>
-              <a:t>  - Successfully implemented and compared 6 ML classifiers</a:t>
+              <a:t>  - Successfully implemented and compared 3 ML classifiers</a:t>
             </a:r>
           </a:p>
           <a:p>
@@ -10685,7 +10199,7 @@
               </a:defRPr>
             </a:pPr>
             <a:r>
-              <a:t>  - Compare 6 ML algorithms for multi-class bean classification</a:t>
+              <a:t>  - Compare 3 ML algorithms for multi-class bean classification</a:t>
             </a:r>
           </a:p>
           <a:p>
@@ -12006,84 +11520,87 @@
               </a:defRPr>
             </a:pPr>
             <a:r>
-              <a:t>  - Instance-based learning; classifies by majority vote</a:t>
-            </a:r>
-          </a:p>
-          <a:p>
-            <a:pPr>
-              <a:spcAft>
-                <a:spcPts val="600"/>
-              </a:spcAft>
-              <a:defRPr sz="1400">
-                <a:solidFill>
-                  <a:srgbClr val="333333"/>
-                </a:solidFill>
-                <a:latin typeface="Calibri"/>
-              </a:defRPr>
-            </a:pPr>
-            <a:r>
-              <a:t>  - Simple, non-parametric; sensitive to feature scaling</a:t>
-            </a:r>
-          </a:p>
-          <a:p>
-            <a:pPr>
-              <a:spcAft>
-                <a:spcPts val="600"/>
-              </a:spcAft>
-              <a:defRPr sz="1400">
-                <a:solidFill>
-                  <a:srgbClr val="333333"/>
-                </a:solidFill>
-                <a:latin typeface="Calibri"/>
-              </a:defRPr>
-            </a:pPr>
-          </a:p>
-          <a:p>
-            <a:pPr>
-              <a:spcAft>
-                <a:spcPts val="600"/>
-              </a:spcAft>
-              <a:defRPr sz="1400">
-                <a:solidFill>
-                  <a:srgbClr val="333333"/>
-                </a:solidFill>
-                <a:latin typeface="Calibri"/>
-              </a:defRPr>
-            </a:pPr>
-            <a:r>
-              <a:t>Decision Tree:</a:t>
-            </a:r>
-          </a:p>
-          <a:p>
-            <a:pPr>
-              <a:spcAft>
-                <a:spcPts val="600"/>
-              </a:spcAft>
-              <a:defRPr sz="1400">
-                <a:solidFill>
-                  <a:srgbClr val="333333"/>
-                </a:solidFill>
-                <a:latin typeface="Calibri"/>
-              </a:defRPr>
-            </a:pPr>
-            <a:r>
-              <a:t>  - Recursive partitioning based on feature thresholds</a:t>
-            </a:r>
-          </a:p>
-          <a:p>
-            <a:pPr>
-              <a:spcAft>
-                <a:spcPts val="600"/>
-              </a:spcAft>
-              <a:defRPr sz="1400">
-                <a:solidFill>
-                  <a:srgbClr val="333333"/>
-                </a:solidFill>
-                <a:latin typeface="Calibri"/>
-              </a:defRPr>
-            </a:pPr>
-            <a:r>
-              <a:t>  - Interpretable; prone to overfitting without pruning</a:t>
+              <a:t>  - Instance-based learning algorithm</a:t>
+            </a:r>
+          </a:p>
+          <a:p>
+            <a:pPr>
+              <a:spcAft>
+                <a:spcPts val="600"/>
+              </a:spcAft>
+              <a:defRPr sz="1400">
+                <a:solidFill>
+                  <a:srgbClr val="333333"/>
+                </a:solidFill>
+                <a:latin typeface="Calibri"/>
+              </a:defRPr>
+            </a:pPr>
+            <a:r>
+              <a:t>  - Classifies by majority vote of k nearest neighbours</a:t>
+            </a:r>
+          </a:p>
+          <a:p>
+            <a:pPr>
+              <a:spcAft>
+                <a:spcPts val="600"/>
+              </a:spcAft>
+              <a:defRPr sz="1400">
+                <a:solidFill>
+                  <a:srgbClr val="333333"/>
+                </a:solidFill>
+                <a:latin typeface="Calibri"/>
+              </a:defRPr>
+            </a:pPr>
+            <a:r>
+              <a:t>  - Uses Euclidean distance as similarity metric</a:t>
+            </a:r>
+          </a:p>
+          <a:p>
+            <a:pPr>
+              <a:spcAft>
+                <a:spcPts val="600"/>
+              </a:spcAft>
+              <a:defRPr sz="1400">
+                <a:solidFill>
+                  <a:srgbClr val="333333"/>
+                </a:solidFill>
+                <a:latin typeface="Calibri"/>
+              </a:defRPr>
+            </a:pPr>
+            <a:r>
+              <a:t>  - Non-parametric: makes no assumptions about data distribution</a:t>
+            </a:r>
+          </a:p>
+          <a:p>
+            <a:pPr>
+              <a:spcAft>
+                <a:spcPts val="600"/>
+              </a:spcAft>
+              <a:defRPr sz="1400">
+                <a:solidFill>
+                  <a:srgbClr val="333333"/>
+                </a:solidFill>
+                <a:latin typeface="Calibri"/>
+              </a:defRPr>
+            </a:pPr>
+            <a:r>
+              <a:t>  - Sensitive to feature scaling (requires standardization)</a:t>
+            </a:r>
+          </a:p>
+          <a:p>
+            <a:pPr>
+              <a:spcAft>
+                <a:spcPts val="600"/>
+              </a:spcAft>
+              <a:defRPr sz="1400">
+                <a:solidFill>
+                  <a:srgbClr val="333333"/>
+                </a:solidFill>
+                <a:latin typeface="Calibri"/>
+              </a:defRPr>
+            </a:pPr>
+            <a:r>
+              <a:t>  - Hyperparameter: k=5 (number of neighbours)</a:t>
             </a:r>
           </a:p>
           <a:p>
@@ -12128,23 +11645,87 @@
               </a:defRPr>
             </a:pPr>
             <a:r>
-              <a:t>  - Ensemble of decision trees with bagging</a:t>
-            </a:r>
-          </a:p>
-          <a:p>
-            <a:pPr>
-              <a:spcAft>
-                <a:spcPts val="600"/>
-              </a:spcAft>
-              <a:defRPr sz="1400">
-                <a:solidFill>
-                  <a:srgbClr val="333333"/>
-                </a:solidFill>
-                <a:latin typeface="Calibri"/>
-              </a:defRPr>
-            </a:pPr>
-            <a:r>
-              <a:t>  - Reduces variance; robust to noise and overfitting</a:t>
+              <a:t>  - Ensemble of multiple decision trees (100 trees)</a:t>
+            </a:r>
+          </a:p>
+          <a:p>
+            <a:pPr>
+              <a:spcAft>
+                <a:spcPts val="600"/>
+              </a:spcAft>
+              <a:defRPr sz="1400">
+                <a:solidFill>
+                  <a:srgbClr val="333333"/>
+                </a:solidFill>
+                <a:latin typeface="Calibri"/>
+              </a:defRPr>
+            </a:pPr>
+            <a:r>
+              <a:t>  - Uses bagging (bootstrap aggregating) for training</a:t>
+            </a:r>
+          </a:p>
+          <a:p>
+            <a:pPr>
+              <a:spcAft>
+                <a:spcPts val="600"/>
+              </a:spcAft>
+              <a:defRPr sz="1400">
+                <a:solidFill>
+                  <a:srgbClr val="333333"/>
+                </a:solidFill>
+                <a:latin typeface="Calibri"/>
+              </a:defRPr>
+            </a:pPr>
+            <a:r>
+              <a:t>  - Each tree trained on random subset of features</a:t>
+            </a:r>
+          </a:p>
+          <a:p>
+            <a:pPr>
+              <a:spcAft>
+                <a:spcPts val="600"/>
+              </a:spcAft>
+              <a:defRPr sz="1400">
+                <a:solidFill>
+                  <a:srgbClr val="333333"/>
+                </a:solidFill>
+                <a:latin typeface="Calibri"/>
+              </a:defRPr>
+            </a:pPr>
+            <a:r>
+              <a:t>  - Reduces overfitting through averaging predictions</a:t>
+            </a:r>
+          </a:p>
+          <a:p>
+            <a:pPr>
+              <a:spcAft>
+                <a:spcPts val="600"/>
+              </a:spcAft>
+              <a:defRPr sz="1400">
+                <a:solidFill>
+                  <a:srgbClr val="333333"/>
+                </a:solidFill>
+                <a:latin typeface="Calibri"/>
+              </a:defRPr>
+            </a:pPr>
+            <a:r>
+              <a:t>  - Provides feature importance scores</a:t>
+            </a:r>
+          </a:p>
+          <a:p>
+            <a:pPr>
+              <a:spcAft>
+                <a:spcPts val="600"/>
+              </a:spcAft>
+              <a:defRPr sz="1400">
+                <a:solidFill>
+                  <a:srgbClr val="333333"/>
+                </a:solidFill>
+                <a:latin typeface="Calibri"/>
+              </a:defRPr>
+            </a:pPr>
+            <a:r>
+              <a:t>  - Robust to noise and outliers</a:t>
             </a:r>
           </a:p>
         </p:txBody>
@@ -12199,145 +11780,196 @@
               </a:defRPr>
             </a:pPr>
             <a:r>
-              <a:t>  - Finds optimal hyperplane; RBF kernel for non-linear data</a:t>
-            </a:r>
-          </a:p>
-          <a:p>
-            <a:pPr>
-              <a:spcAft>
-                <a:spcPts val="600"/>
-              </a:spcAft>
-              <a:defRPr sz="1400">
-                <a:solidFill>
-                  <a:srgbClr val="333333"/>
-                </a:solidFill>
-                <a:latin typeface="Calibri"/>
-              </a:defRPr>
-            </a:pPr>
-            <a:r>
-              <a:t>  - Effective in high-dimensional spaces</a:t>
-            </a:r>
-          </a:p>
-          <a:p>
-            <a:pPr>
-              <a:spcAft>
-                <a:spcPts val="600"/>
-              </a:spcAft>
-              <a:defRPr sz="1400">
-                <a:solidFill>
-                  <a:srgbClr val="333333"/>
-                </a:solidFill>
-                <a:latin typeface="Calibri"/>
-              </a:defRPr>
-            </a:pPr>
-          </a:p>
-          <a:p>
-            <a:pPr>
-              <a:spcAft>
-                <a:spcPts val="600"/>
-              </a:spcAft>
-              <a:defRPr sz="1400">
-                <a:solidFill>
-                  <a:srgbClr val="333333"/>
-                </a:solidFill>
-                <a:latin typeface="Calibri"/>
-              </a:defRPr>
-            </a:pPr>
-            <a:r>
-              <a:t>Logistic Regression:</a:t>
-            </a:r>
-          </a:p>
-          <a:p>
-            <a:pPr>
-              <a:spcAft>
-                <a:spcPts val="600"/>
-              </a:spcAft>
-              <a:defRPr sz="1400">
-                <a:solidFill>
-                  <a:srgbClr val="333333"/>
-                </a:solidFill>
-                <a:latin typeface="Calibri"/>
-              </a:defRPr>
-            </a:pPr>
-            <a:r>
-              <a:t>  - Probabilistic linear model (multinomial for multi-class)</a:t>
-            </a:r>
-          </a:p>
-          <a:p>
-            <a:pPr>
-              <a:spcAft>
-                <a:spcPts val="600"/>
-              </a:spcAft>
-              <a:defRPr sz="1400">
-                <a:solidFill>
-                  <a:srgbClr val="333333"/>
-                </a:solidFill>
-                <a:latin typeface="Calibri"/>
-              </a:defRPr>
-            </a:pPr>
-            <a:r>
-              <a:t>  - Fast training; good baseline classifier</a:t>
-            </a:r>
-          </a:p>
-          <a:p>
-            <a:pPr>
-              <a:spcAft>
-                <a:spcPts val="600"/>
-              </a:spcAft>
-              <a:defRPr sz="1400">
-                <a:solidFill>
-                  <a:srgbClr val="333333"/>
-                </a:solidFill>
-                <a:latin typeface="Calibri"/>
-              </a:defRPr>
-            </a:pPr>
-          </a:p>
-          <a:p>
-            <a:pPr>
-              <a:spcAft>
-                <a:spcPts val="600"/>
-              </a:spcAft>
-              <a:defRPr sz="1400">
-                <a:solidFill>
-                  <a:srgbClr val="333333"/>
-                </a:solidFill>
-                <a:latin typeface="Calibri"/>
-              </a:defRPr>
-            </a:pPr>
-            <a:r>
-              <a:t>Naive Bayes (Gaussian):</a:t>
-            </a:r>
-          </a:p>
-          <a:p>
-            <a:pPr>
-              <a:spcAft>
-                <a:spcPts val="600"/>
-              </a:spcAft>
-              <a:defRPr sz="1400">
-                <a:solidFill>
-                  <a:srgbClr val="333333"/>
-                </a:solidFill>
-                <a:latin typeface="Calibri"/>
-              </a:defRPr>
-            </a:pPr>
-            <a:r>
-              <a:t>  - Probabilistic classifier assuming feature independence</a:t>
-            </a:r>
-          </a:p>
-          <a:p>
-            <a:pPr>
-              <a:spcAft>
-                <a:spcPts val="600"/>
-              </a:spcAft>
-              <a:defRPr sz="1400">
-                <a:solidFill>
-                  <a:srgbClr val="333333"/>
-                </a:solidFill>
-                <a:latin typeface="Calibri"/>
-              </a:defRPr>
-            </a:pPr>
-            <a:r>
-              <a:t>  - Very fast; works well when independence assumption holds</a:t>
+              <a:t>  - Finds optimal hyperplane to separate classes</a:t>
+            </a:r>
+          </a:p>
+          <a:p>
+            <a:pPr>
+              <a:spcAft>
+                <a:spcPts val="600"/>
+              </a:spcAft>
+              <a:defRPr sz="1400">
+                <a:solidFill>
+                  <a:srgbClr val="333333"/>
+                </a:solidFill>
+                <a:latin typeface="Calibri"/>
+              </a:defRPr>
+            </a:pPr>
+            <a:r>
+              <a:t>  - Maximizes margin between class boundaries</a:t>
+            </a:r>
+          </a:p>
+          <a:p>
+            <a:pPr>
+              <a:spcAft>
+                <a:spcPts val="600"/>
+              </a:spcAft>
+              <a:defRPr sz="1400">
+                <a:solidFill>
+                  <a:srgbClr val="333333"/>
+                </a:solidFill>
+                <a:latin typeface="Calibri"/>
+              </a:defRPr>
+            </a:pPr>
+            <a:r>
+              <a:t>  - RBF (Radial Basis Function) kernel used</a:t>
+            </a:r>
+          </a:p>
+          <a:p>
+            <a:pPr>
+              <a:spcAft>
+                <a:spcPts val="600"/>
+              </a:spcAft>
+              <a:defRPr sz="1400">
+                <a:solidFill>
+                  <a:srgbClr val="333333"/>
+                </a:solidFill>
+                <a:latin typeface="Calibri"/>
+              </a:defRPr>
+            </a:pPr>
+            <a:r>
+              <a:t>  - RBF maps data to higher dimensions for non-linear separation</a:t>
+            </a:r>
+          </a:p>
+          <a:p>
+            <a:pPr>
+              <a:spcAft>
+                <a:spcPts val="600"/>
+              </a:spcAft>
+              <a:defRPr sz="1400">
+                <a:solidFill>
+                  <a:srgbClr val="333333"/>
+                </a:solidFill>
+                <a:latin typeface="Calibri"/>
+              </a:defRPr>
+            </a:pPr>
+            <a:r>
+              <a:t>  - Hyperparameters: C=10 (regularization), gamma=scale</a:t>
+            </a:r>
+          </a:p>
+          <a:p>
+            <a:pPr>
+              <a:spcAft>
+                <a:spcPts val="600"/>
+              </a:spcAft>
+              <a:defRPr sz="1400">
+                <a:solidFill>
+                  <a:srgbClr val="333333"/>
+                </a:solidFill>
+                <a:latin typeface="Calibri"/>
+              </a:defRPr>
+            </a:pPr>
+            <a:r>
+              <a:t>  - Effective in high-dimensional feature spaces</a:t>
+            </a:r>
+          </a:p>
+          <a:p>
+            <a:pPr>
+              <a:spcAft>
+                <a:spcPts val="600"/>
+              </a:spcAft>
+              <a:defRPr sz="1400">
+                <a:solidFill>
+                  <a:srgbClr val="333333"/>
+                </a:solidFill>
+                <a:latin typeface="Calibri"/>
+              </a:defRPr>
+            </a:pPr>
+          </a:p>
+          <a:p>
+            <a:pPr>
+              <a:spcAft>
+                <a:spcPts val="600"/>
+              </a:spcAft>
+              <a:defRPr sz="1400">
+                <a:solidFill>
+                  <a:srgbClr val="333333"/>
+                </a:solidFill>
+                <a:latin typeface="Calibri"/>
+              </a:defRPr>
+            </a:pPr>
+            <a:r>
+              <a:t>Why these 3 models?</a:t>
+            </a:r>
+          </a:p>
+          <a:p>
+            <a:pPr>
+              <a:spcAft>
+                <a:spcPts val="600"/>
+              </a:spcAft>
+              <a:defRPr sz="1400">
+                <a:solidFill>
+                  <a:srgbClr val="333333"/>
+                </a:solidFill>
+                <a:latin typeface="Calibri"/>
+              </a:defRPr>
+            </a:pPr>
+            <a:r>
+              <a:t>  - KNN: Simple baseline, good for comparison</a:t>
+            </a:r>
+          </a:p>
+          <a:p>
+            <a:pPr>
+              <a:spcAft>
+                <a:spcPts val="600"/>
+              </a:spcAft>
+              <a:defRPr sz="1400">
+                <a:solidFill>
+                  <a:srgbClr val="333333"/>
+                </a:solidFill>
+                <a:latin typeface="Calibri"/>
+              </a:defRPr>
+            </a:pPr>
+            <a:r>
+              <a:t>  - Random Forest: Best for tabular data, handles correlations</a:t>
+            </a:r>
+          </a:p>
+          <a:p>
+            <a:pPr>
+              <a:spcAft>
+                <a:spcPts val="600"/>
+              </a:spcAft>
+              <a:defRPr sz="1400">
+                <a:solidFill>
+                  <a:srgbClr val="333333"/>
+                </a:solidFill>
+                <a:latin typeface="Calibri"/>
+              </a:defRPr>
+            </a:pPr>
+            <a:r>
+              <a:t>  - SVM: Strong theoretical foundation, handles non-linearity</a:t>
+            </a:r>
+          </a:p>
+          <a:p>
+            <a:pPr>
+              <a:spcAft>
+                <a:spcPts val="600"/>
+              </a:spcAft>
+              <a:defRPr sz="1400">
+                <a:solidFill>
+                  <a:srgbClr val="333333"/>
+                </a:solidFill>
+                <a:latin typeface="Calibri"/>
+              </a:defRPr>
+            </a:pPr>
+            <a:r>
+              <a:t>  - All three are well-suited for multi-class classification</a:t>
+            </a:r>
+          </a:p>
+          <a:p>
+            <a:pPr>
+              <a:spcAft>
+                <a:spcPts val="600"/>
+              </a:spcAft>
+              <a:defRPr sz="1400">
+                <a:solidFill>
+                  <a:srgbClr val="333333"/>
+                </a:solidFill>
+                <a:latin typeface="Calibri"/>
+              </a:defRPr>
+            </a:pPr>
+            <a:r>
+              <a:t>  - Diverse approaches: instance-based, ensemble, kernel-based</a:t>
             </a:r>
           </a:p>
         </p:txBody>
